--- a/ex01/ex01_ans.pptx
+++ b/ex01/ex01_ans.pptx
@@ -249,7 +249,7 @@
           <a:p>
             <a:fld id="{4DF903DD-9FD6-47C8-9767-01D3422F479E}" type="datetimeFigureOut">
               <a:rPr lang="zh-TW" altLang="en-US" smtClean="0"/>
-              <a:t>2020/5/7</a:t>
+              <a:t>2020/5/12</a:t>
             </a:fld>
             <a:endParaRPr lang="zh-TW" altLang="en-US"/>
           </a:p>
@@ -419,7 +419,7 @@
           <a:p>
             <a:fld id="{4DF903DD-9FD6-47C8-9767-01D3422F479E}" type="datetimeFigureOut">
               <a:rPr lang="zh-TW" altLang="en-US" smtClean="0"/>
-              <a:t>2020/5/7</a:t>
+              <a:t>2020/5/12</a:t>
             </a:fld>
             <a:endParaRPr lang="zh-TW" altLang="en-US"/>
           </a:p>
@@ -599,7 +599,7 @@
           <a:p>
             <a:fld id="{4DF903DD-9FD6-47C8-9767-01D3422F479E}" type="datetimeFigureOut">
               <a:rPr lang="zh-TW" altLang="en-US" smtClean="0"/>
-              <a:t>2020/5/7</a:t>
+              <a:t>2020/5/12</a:t>
             </a:fld>
             <a:endParaRPr lang="zh-TW" altLang="en-US"/>
           </a:p>
@@ -769,7 +769,7 @@
           <a:p>
             <a:fld id="{4DF903DD-9FD6-47C8-9767-01D3422F479E}" type="datetimeFigureOut">
               <a:rPr lang="zh-TW" altLang="en-US" smtClean="0"/>
-              <a:t>2020/5/7</a:t>
+              <a:t>2020/5/12</a:t>
             </a:fld>
             <a:endParaRPr lang="zh-TW" altLang="en-US"/>
           </a:p>
@@ -1015,7 +1015,7 @@
           <a:p>
             <a:fld id="{4DF903DD-9FD6-47C8-9767-01D3422F479E}" type="datetimeFigureOut">
               <a:rPr lang="zh-TW" altLang="en-US" smtClean="0"/>
-              <a:t>2020/5/7</a:t>
+              <a:t>2020/5/12</a:t>
             </a:fld>
             <a:endParaRPr lang="zh-TW" altLang="en-US"/>
           </a:p>
@@ -1247,7 +1247,7 @@
           <a:p>
             <a:fld id="{4DF903DD-9FD6-47C8-9767-01D3422F479E}" type="datetimeFigureOut">
               <a:rPr lang="zh-TW" altLang="en-US" smtClean="0"/>
-              <a:t>2020/5/7</a:t>
+              <a:t>2020/5/12</a:t>
             </a:fld>
             <a:endParaRPr lang="zh-TW" altLang="en-US"/>
           </a:p>
@@ -1614,7 +1614,7 @@
           <a:p>
             <a:fld id="{4DF903DD-9FD6-47C8-9767-01D3422F479E}" type="datetimeFigureOut">
               <a:rPr lang="zh-TW" altLang="en-US" smtClean="0"/>
-              <a:t>2020/5/7</a:t>
+              <a:t>2020/5/12</a:t>
             </a:fld>
             <a:endParaRPr lang="zh-TW" altLang="en-US"/>
           </a:p>
@@ -1732,7 +1732,7 @@
           <a:p>
             <a:fld id="{4DF903DD-9FD6-47C8-9767-01D3422F479E}" type="datetimeFigureOut">
               <a:rPr lang="zh-TW" altLang="en-US" smtClean="0"/>
-              <a:t>2020/5/7</a:t>
+              <a:t>2020/5/12</a:t>
             </a:fld>
             <a:endParaRPr lang="zh-TW" altLang="en-US"/>
           </a:p>
@@ -1827,7 +1827,7 @@
           <a:p>
             <a:fld id="{4DF903DD-9FD6-47C8-9767-01D3422F479E}" type="datetimeFigureOut">
               <a:rPr lang="zh-TW" altLang="en-US" smtClean="0"/>
-              <a:t>2020/5/7</a:t>
+              <a:t>2020/5/12</a:t>
             </a:fld>
             <a:endParaRPr lang="zh-TW" altLang="en-US"/>
           </a:p>
@@ -2104,7 +2104,7 @@
           <a:p>
             <a:fld id="{4DF903DD-9FD6-47C8-9767-01D3422F479E}" type="datetimeFigureOut">
               <a:rPr lang="zh-TW" altLang="en-US" smtClean="0"/>
-              <a:t>2020/5/7</a:t>
+              <a:t>2020/5/12</a:t>
             </a:fld>
             <a:endParaRPr lang="zh-TW" altLang="en-US"/>
           </a:p>
@@ -2357,7 +2357,7 @@
           <a:p>
             <a:fld id="{4DF903DD-9FD6-47C8-9767-01D3422F479E}" type="datetimeFigureOut">
               <a:rPr lang="zh-TW" altLang="en-US" smtClean="0"/>
-              <a:t>2020/5/7</a:t>
+              <a:t>2020/5/12</a:t>
             </a:fld>
             <a:endParaRPr lang="zh-TW" altLang="en-US"/>
           </a:p>
@@ -2570,7 +2570,7 @@
           <a:p>
             <a:fld id="{4DF903DD-9FD6-47C8-9767-01D3422F479E}" type="datetimeFigureOut">
               <a:rPr lang="zh-TW" altLang="en-US" smtClean="0"/>
-              <a:t>2020/5/7</a:t>
+              <a:t>2020/5/12</a:t>
             </a:fld>
             <a:endParaRPr lang="zh-TW" altLang="en-US"/>
           </a:p>
@@ -3080,7 +3080,12 @@
             <p:ph sz="half" idx="1"/>
           </p:nvPr>
         </p:nvSpPr>
-        <p:spPr/>
+        <p:spPr>
+          <a:xfrm>
+            <a:off x="838200" y="1825624"/>
+            <a:ext cx="5181600" cy="4351338"/>
+          </a:xfrm>
+        </p:spPr>
         <p:txBody>
           <a:bodyPr/>
           <a:lstStyle/>
@@ -3220,6 +3225,828 @@
           </a:prstGeom>
         </p:spPr>
       </p:pic>
+      <p:grpSp>
+        <p:nvGrpSpPr>
+          <p:cNvPr id="5" name="群組 4"/>
+          <p:cNvGrpSpPr/>
+          <p:nvPr/>
+        </p:nvGrpSpPr>
+        <p:grpSpPr>
+          <a:xfrm>
+            <a:off x="3681326" y="3017461"/>
+            <a:ext cx="1401214" cy="1678103"/>
+            <a:chOff x="9350606" y="3139965"/>
+            <a:chExt cx="1401214" cy="1678103"/>
+          </a:xfrm>
+        </p:grpSpPr>
+        <p:sp>
+          <p:nvSpPr>
+            <p:cNvPr id="6" name="矩形 5"/>
+            <p:cNvSpPr/>
+            <p:nvPr/>
+          </p:nvSpPr>
+          <p:spPr>
+            <a:xfrm>
+              <a:off x="10034386" y="3139965"/>
+              <a:ext cx="717434" cy="1678103"/>
+            </a:xfrm>
+            <a:prstGeom prst="rect">
+              <a:avLst/>
+            </a:prstGeom>
+          </p:spPr>
+          <p:style>
+            <a:lnRef idx="2">
+              <a:schemeClr val="dk1"/>
+            </a:lnRef>
+            <a:fillRef idx="1">
+              <a:schemeClr val="lt1"/>
+            </a:fillRef>
+            <a:effectRef idx="0">
+              <a:schemeClr val="dk1"/>
+            </a:effectRef>
+            <a:fontRef idx="minor">
+              <a:schemeClr val="dk1"/>
+            </a:fontRef>
+          </p:style>
+          <p:txBody>
+            <a:bodyPr rtlCol="0" anchor="ctr"/>
+            <a:lstStyle/>
+            <a:p>
+              <a:pPr algn="ctr"/>
+              <a:endParaRPr lang="zh-TW" altLang="en-US"/>
+            </a:p>
+          </p:txBody>
+        </p:sp>
+        <p:sp>
+          <p:nvSpPr>
+            <p:cNvPr id="7" name="矩形 6"/>
+            <p:cNvSpPr/>
+            <p:nvPr/>
+          </p:nvSpPr>
+          <p:spPr>
+            <a:xfrm>
+              <a:off x="10034386" y="4128196"/>
+              <a:ext cx="712201" cy="319603"/>
+            </a:xfrm>
+            <a:prstGeom prst="rect">
+              <a:avLst/>
+            </a:prstGeom>
+          </p:spPr>
+          <p:style>
+            <a:lnRef idx="2">
+              <a:schemeClr val="dk1"/>
+            </a:lnRef>
+            <a:fillRef idx="1">
+              <a:schemeClr val="lt1"/>
+            </a:fillRef>
+            <a:effectRef idx="0">
+              <a:schemeClr val="dk1"/>
+            </a:effectRef>
+            <a:fontRef idx="minor">
+              <a:schemeClr val="dk1"/>
+            </a:fontRef>
+          </p:style>
+          <p:txBody>
+            <a:bodyPr rtlCol="0" anchor="ctr"/>
+            <a:lstStyle/>
+            <a:p>
+              <a:pPr algn="ctr"/>
+              <a:r>
+                <a:rPr lang="en-US" altLang="zh-TW" sz="1400" dirty="0" smtClean="0"/>
+                <a:t>10</a:t>
+              </a:r>
+              <a:endParaRPr lang="zh-TW" altLang="en-US" sz="1400" dirty="0"/>
+            </a:p>
+          </p:txBody>
+        </p:sp>
+        <p:sp>
+          <p:nvSpPr>
+            <p:cNvPr id="8" name="矩形 7"/>
+            <p:cNvSpPr/>
+            <p:nvPr/>
+          </p:nvSpPr>
+          <p:spPr>
+            <a:xfrm>
+              <a:off x="10036001" y="3808593"/>
+              <a:ext cx="712201" cy="319603"/>
+            </a:xfrm>
+            <a:prstGeom prst="rect">
+              <a:avLst/>
+            </a:prstGeom>
+          </p:spPr>
+          <p:style>
+            <a:lnRef idx="2">
+              <a:schemeClr val="dk1"/>
+            </a:lnRef>
+            <a:fillRef idx="1">
+              <a:schemeClr val="lt1"/>
+            </a:fillRef>
+            <a:effectRef idx="0">
+              <a:schemeClr val="dk1"/>
+            </a:effectRef>
+            <a:fontRef idx="minor">
+              <a:schemeClr val="dk1"/>
+            </a:fontRef>
+          </p:style>
+          <p:txBody>
+            <a:bodyPr rtlCol="0" anchor="ctr"/>
+            <a:lstStyle/>
+            <a:p>
+              <a:pPr algn="ctr"/>
+              <a:r>
+                <a:rPr lang="en-US" altLang="zh-TW" sz="1400" dirty="0" smtClean="0"/>
+                <a:t>20</a:t>
+              </a:r>
+              <a:endParaRPr lang="zh-TW" altLang="en-US" sz="1400" dirty="0"/>
+            </a:p>
+          </p:txBody>
+        </p:sp>
+        <p:sp>
+          <p:nvSpPr>
+            <p:cNvPr id="10" name="文字方塊 9"/>
+            <p:cNvSpPr txBox="1"/>
+            <p:nvPr/>
+          </p:nvSpPr>
+          <p:spPr>
+            <a:xfrm>
+              <a:off x="9603628" y="4291507"/>
+              <a:ext cx="482824" cy="261610"/>
+            </a:xfrm>
+            <a:prstGeom prst="rect">
+              <a:avLst/>
+            </a:prstGeom>
+            <a:noFill/>
+          </p:spPr>
+          <p:txBody>
+            <a:bodyPr wrap="none" rtlCol="0">
+              <a:spAutoFit/>
+            </a:bodyPr>
+            <a:lstStyle/>
+            <a:p>
+              <a:r>
+                <a:rPr lang="en-US" altLang="zh-TW" sz="1100" dirty="0" smtClean="0"/>
+                <a:t>%</a:t>
+              </a:r>
+              <a:r>
+                <a:rPr lang="en-US" altLang="zh-TW" sz="1100" dirty="0" err="1" smtClean="0"/>
+                <a:t>rbp</a:t>
+              </a:r>
+              <a:endParaRPr lang="zh-TW" altLang="en-US" sz="1100" dirty="0"/>
+            </a:p>
+          </p:txBody>
+        </p:sp>
+        <p:sp>
+          <p:nvSpPr>
+            <p:cNvPr id="12" name="矩形 11"/>
+            <p:cNvSpPr/>
+            <p:nvPr/>
+          </p:nvSpPr>
+          <p:spPr>
+            <a:xfrm>
+              <a:off x="10036002" y="3492053"/>
+              <a:ext cx="712202" cy="319603"/>
+            </a:xfrm>
+            <a:prstGeom prst="rect">
+              <a:avLst/>
+            </a:prstGeom>
+          </p:spPr>
+          <p:style>
+            <a:lnRef idx="2">
+              <a:schemeClr val="dk1"/>
+            </a:lnRef>
+            <a:fillRef idx="1">
+              <a:schemeClr val="lt1"/>
+            </a:fillRef>
+            <a:effectRef idx="0">
+              <a:schemeClr val="dk1"/>
+            </a:effectRef>
+            <a:fontRef idx="minor">
+              <a:schemeClr val="dk1"/>
+            </a:fontRef>
+          </p:style>
+          <p:txBody>
+            <a:bodyPr rtlCol="0" anchor="ctr"/>
+            <a:lstStyle/>
+            <a:p>
+              <a:pPr algn="ctr"/>
+              <a:r>
+                <a:rPr lang="en-US" altLang="zh-TW" sz="1400" dirty="0" smtClean="0"/>
+                <a:t>30</a:t>
+              </a:r>
+              <a:endParaRPr lang="zh-TW" altLang="en-US" sz="1400" dirty="0"/>
+            </a:p>
+          </p:txBody>
+        </p:sp>
+        <p:sp>
+          <p:nvSpPr>
+            <p:cNvPr id="16" name="文字方塊 15"/>
+            <p:cNvSpPr txBox="1"/>
+            <p:nvPr/>
+          </p:nvSpPr>
+          <p:spPr>
+            <a:xfrm>
+              <a:off x="9416889" y="3980351"/>
+              <a:ext cx="684803" cy="261610"/>
+            </a:xfrm>
+            <a:prstGeom prst="rect">
+              <a:avLst/>
+            </a:prstGeom>
+            <a:noFill/>
+          </p:spPr>
+          <p:txBody>
+            <a:bodyPr wrap="none" rtlCol="0">
+              <a:spAutoFit/>
+            </a:bodyPr>
+            <a:lstStyle/>
+            <a:p>
+              <a:r>
+                <a:rPr lang="en-US" altLang="zh-TW" sz="1100" dirty="0" smtClean="0"/>
+                <a:t>-4</a:t>
+              </a:r>
+              <a:r>
+                <a:rPr lang="en-US" altLang="zh-TW" sz="1100" dirty="0" smtClean="0"/>
+                <a:t>(%</a:t>
+              </a:r>
+              <a:r>
+                <a:rPr lang="en-US" altLang="zh-TW" sz="1100" dirty="0" err="1" smtClean="0"/>
+                <a:t>rbp</a:t>
+              </a:r>
+              <a:r>
+                <a:rPr lang="en-US" altLang="zh-TW" sz="1100" dirty="0" smtClean="0"/>
+                <a:t>)</a:t>
+              </a:r>
+              <a:endParaRPr lang="zh-TW" altLang="en-US" sz="1100" dirty="0"/>
+            </a:p>
+          </p:txBody>
+        </p:sp>
+        <p:sp>
+          <p:nvSpPr>
+            <p:cNvPr id="17" name="文字方塊 16"/>
+            <p:cNvSpPr txBox="1"/>
+            <p:nvPr/>
+          </p:nvSpPr>
+          <p:spPr>
+            <a:xfrm>
+              <a:off x="9423764" y="3667524"/>
+              <a:ext cx="684803" cy="261610"/>
+            </a:xfrm>
+            <a:prstGeom prst="rect">
+              <a:avLst/>
+            </a:prstGeom>
+            <a:noFill/>
+          </p:spPr>
+          <p:txBody>
+            <a:bodyPr wrap="none" rtlCol="0">
+              <a:spAutoFit/>
+            </a:bodyPr>
+            <a:lstStyle/>
+            <a:p>
+              <a:r>
+                <a:rPr lang="en-US" altLang="zh-TW" sz="1100" dirty="0" smtClean="0"/>
+                <a:t>-8(%</a:t>
+              </a:r>
+              <a:r>
+                <a:rPr lang="en-US" altLang="zh-TW" sz="1100" dirty="0" err="1"/>
+                <a:t>rbp</a:t>
+              </a:r>
+              <a:r>
+                <a:rPr lang="en-US" altLang="zh-TW" sz="1100" dirty="0"/>
+                <a:t>)</a:t>
+              </a:r>
+              <a:endParaRPr lang="zh-TW" altLang="en-US" sz="1100" dirty="0"/>
+            </a:p>
+          </p:txBody>
+        </p:sp>
+        <p:sp>
+          <p:nvSpPr>
+            <p:cNvPr id="18" name="文字方塊 17"/>
+            <p:cNvSpPr txBox="1"/>
+            <p:nvPr/>
+          </p:nvSpPr>
+          <p:spPr>
+            <a:xfrm>
+              <a:off x="9350606" y="3348472"/>
+              <a:ext cx="756938" cy="261610"/>
+            </a:xfrm>
+            <a:prstGeom prst="rect">
+              <a:avLst/>
+            </a:prstGeom>
+            <a:noFill/>
+          </p:spPr>
+          <p:txBody>
+            <a:bodyPr wrap="none" rtlCol="0">
+              <a:spAutoFit/>
+            </a:bodyPr>
+            <a:lstStyle/>
+            <a:p>
+              <a:r>
+                <a:rPr lang="en-US" altLang="zh-TW" sz="1100" dirty="0" smtClean="0"/>
+                <a:t>-12(%</a:t>
+              </a:r>
+              <a:r>
+                <a:rPr lang="en-US" altLang="zh-TW" sz="1100" dirty="0" err="1"/>
+                <a:t>rbp</a:t>
+              </a:r>
+              <a:r>
+                <a:rPr lang="en-US" altLang="zh-TW" sz="1100" dirty="0"/>
+                <a:t>)</a:t>
+              </a:r>
+              <a:endParaRPr lang="zh-TW" altLang="en-US" sz="1100" dirty="0"/>
+            </a:p>
+          </p:txBody>
+        </p:sp>
+      </p:grpSp>
+      <p:sp>
+        <p:nvSpPr>
+          <p:cNvPr id="21" name="文字方塊 20"/>
+          <p:cNvSpPr txBox="1"/>
+          <p:nvPr/>
+        </p:nvSpPr>
+        <p:spPr>
+          <a:xfrm>
+            <a:off x="5190412" y="4031409"/>
+            <a:ext cx="492443" cy="276999"/>
+          </a:xfrm>
+          <a:prstGeom prst="rect">
+            <a:avLst/>
+          </a:prstGeom>
+          <a:noFill/>
+        </p:spPr>
+        <p:txBody>
+          <a:bodyPr wrap="none" rtlCol="0">
+            <a:spAutoFit/>
+          </a:bodyPr>
+          <a:lstStyle/>
+          <a:p>
+            <a:r>
+              <a:rPr lang="en-US" altLang="zh-TW" sz="1200" dirty="0">
+                <a:solidFill>
+                  <a:srgbClr val="FF0000"/>
+                </a:solidFill>
+              </a:rPr>
+              <a:t>a</a:t>
+            </a:r>
+            <a:r>
+              <a:rPr lang="en-US" altLang="zh-TW" sz="1200" dirty="0" smtClean="0">
+                <a:solidFill>
+                  <a:srgbClr val="FF0000"/>
+                </a:solidFill>
+              </a:rPr>
+              <a:t>=10</a:t>
+            </a:r>
+            <a:endParaRPr lang="zh-TW" altLang="en-US" sz="1200" dirty="0">
+              <a:solidFill>
+                <a:srgbClr val="FF0000"/>
+              </a:solidFill>
+            </a:endParaRPr>
+          </a:p>
+        </p:txBody>
+      </p:sp>
+      <p:sp>
+        <p:nvSpPr>
+          <p:cNvPr id="22" name="文字方塊 21"/>
+          <p:cNvSpPr txBox="1"/>
+          <p:nvPr/>
+        </p:nvSpPr>
+        <p:spPr>
+          <a:xfrm>
+            <a:off x="5190411" y="3711653"/>
+            <a:ext cx="498855" cy="276999"/>
+          </a:xfrm>
+          <a:prstGeom prst="rect">
+            <a:avLst/>
+          </a:prstGeom>
+          <a:noFill/>
+        </p:spPr>
+        <p:txBody>
+          <a:bodyPr wrap="none" rtlCol="0">
+            <a:spAutoFit/>
+          </a:bodyPr>
+          <a:lstStyle/>
+          <a:p>
+            <a:r>
+              <a:rPr lang="en-US" altLang="zh-TW" sz="1200" dirty="0" smtClean="0">
+                <a:solidFill>
+                  <a:srgbClr val="FF0000"/>
+                </a:solidFill>
+              </a:rPr>
+              <a:t>b=20</a:t>
+            </a:r>
+            <a:endParaRPr lang="zh-TW" altLang="en-US" sz="1200" dirty="0">
+              <a:solidFill>
+                <a:srgbClr val="FF0000"/>
+              </a:solidFill>
+            </a:endParaRPr>
+          </a:p>
+        </p:txBody>
+      </p:sp>
+      <p:sp>
+        <p:nvSpPr>
+          <p:cNvPr id="23" name="文字方塊 22"/>
+          <p:cNvSpPr txBox="1"/>
+          <p:nvPr/>
+        </p:nvSpPr>
+        <p:spPr>
+          <a:xfrm>
+            <a:off x="5190412" y="3413275"/>
+            <a:ext cx="484428" cy="276999"/>
+          </a:xfrm>
+          <a:prstGeom prst="rect">
+            <a:avLst/>
+          </a:prstGeom>
+          <a:noFill/>
+        </p:spPr>
+        <p:txBody>
+          <a:bodyPr wrap="none" rtlCol="0">
+            <a:spAutoFit/>
+          </a:bodyPr>
+          <a:lstStyle/>
+          <a:p>
+            <a:r>
+              <a:rPr lang="en-US" altLang="zh-TW" sz="1200" dirty="0" smtClean="0">
+                <a:solidFill>
+                  <a:srgbClr val="FF0000"/>
+                </a:solidFill>
+              </a:rPr>
+              <a:t>c=30</a:t>
+            </a:r>
+            <a:endParaRPr lang="zh-TW" altLang="en-US" sz="1200" dirty="0">
+              <a:solidFill>
+                <a:srgbClr val="FF0000"/>
+              </a:solidFill>
+            </a:endParaRPr>
+          </a:p>
+        </p:txBody>
+      </p:sp>
+      <p:cxnSp>
+        <p:nvCxnSpPr>
+          <p:cNvPr id="25" name="直線單箭頭接點 24"/>
+          <p:cNvCxnSpPr>
+            <a:endCxn id="21" idx="3"/>
+          </p:cNvCxnSpPr>
+          <p:nvPr/>
+        </p:nvCxnSpPr>
+        <p:spPr>
+          <a:xfrm flipH="1">
+            <a:off x="5682855" y="3864072"/>
+            <a:ext cx="1015125" cy="305837"/>
+          </a:xfrm>
+          <a:prstGeom prst="straightConnector1">
+            <a:avLst/>
+          </a:prstGeom>
+          <a:ln>
+            <a:tailEnd type="triangle"/>
+          </a:ln>
+        </p:spPr>
+        <p:style>
+          <a:lnRef idx="1">
+            <a:schemeClr val="accent1"/>
+          </a:lnRef>
+          <a:fillRef idx="0">
+            <a:schemeClr val="accent1"/>
+          </a:fillRef>
+          <a:effectRef idx="0">
+            <a:schemeClr val="accent1"/>
+          </a:effectRef>
+          <a:fontRef idx="minor">
+            <a:schemeClr val="tx1"/>
+          </a:fontRef>
+        </p:style>
+      </p:cxnSp>
+      <p:cxnSp>
+        <p:nvCxnSpPr>
+          <p:cNvPr id="27" name="直線單箭頭接點 26"/>
+          <p:cNvCxnSpPr>
+            <a:endCxn id="22" idx="3"/>
+          </p:cNvCxnSpPr>
+          <p:nvPr/>
+        </p:nvCxnSpPr>
+        <p:spPr>
+          <a:xfrm flipH="1" flipV="1">
+            <a:off x="5689266" y="3850153"/>
+            <a:ext cx="1008714" cy="138499"/>
+          </a:xfrm>
+          <a:prstGeom prst="straightConnector1">
+            <a:avLst/>
+          </a:prstGeom>
+          <a:ln>
+            <a:tailEnd type="triangle"/>
+          </a:ln>
+        </p:spPr>
+        <p:style>
+          <a:lnRef idx="1">
+            <a:schemeClr val="accent1"/>
+          </a:lnRef>
+          <a:fillRef idx="0">
+            <a:schemeClr val="accent1"/>
+          </a:fillRef>
+          <a:effectRef idx="0">
+            <a:schemeClr val="accent1"/>
+          </a:effectRef>
+          <a:fontRef idx="minor">
+            <a:schemeClr val="tx1"/>
+          </a:fontRef>
+        </p:style>
+      </p:cxnSp>
+      <p:cxnSp>
+        <p:nvCxnSpPr>
+          <p:cNvPr id="29" name="直線單箭頭接點 28"/>
+          <p:cNvCxnSpPr>
+            <a:endCxn id="30" idx="1"/>
+          </p:cNvCxnSpPr>
+          <p:nvPr/>
+        </p:nvCxnSpPr>
+        <p:spPr>
+          <a:xfrm flipV="1">
+            <a:off x="8267700" y="3760762"/>
+            <a:ext cx="859692" cy="358695"/>
+          </a:xfrm>
+          <a:prstGeom prst="straightConnector1">
+            <a:avLst/>
+          </a:prstGeom>
+          <a:ln>
+            <a:tailEnd type="triangle"/>
+          </a:ln>
+        </p:spPr>
+        <p:style>
+          <a:lnRef idx="1">
+            <a:schemeClr val="accent1"/>
+          </a:lnRef>
+          <a:fillRef idx="0">
+            <a:schemeClr val="accent1"/>
+          </a:fillRef>
+          <a:effectRef idx="0">
+            <a:schemeClr val="accent1"/>
+          </a:effectRef>
+          <a:fontRef idx="minor">
+            <a:schemeClr val="tx1"/>
+          </a:fontRef>
+        </p:style>
+      </p:cxnSp>
+      <p:sp>
+        <p:nvSpPr>
+          <p:cNvPr id="30" name="文字方塊 29"/>
+          <p:cNvSpPr txBox="1"/>
+          <p:nvPr/>
+        </p:nvSpPr>
+        <p:spPr>
+          <a:xfrm>
+            <a:off x="9127392" y="3606873"/>
+            <a:ext cx="838628" cy="307777"/>
+          </a:xfrm>
+          <a:prstGeom prst="rect">
+            <a:avLst/>
+          </a:prstGeom>
+          <a:noFill/>
+        </p:spPr>
+        <p:txBody>
+          <a:bodyPr wrap="none" rtlCol="0">
+            <a:spAutoFit/>
+          </a:bodyPr>
+          <a:lstStyle/>
+          <a:p>
+            <a:r>
+              <a:rPr lang="en-US" altLang="zh-TW" sz="1400" dirty="0">
+                <a:solidFill>
+                  <a:srgbClr val="FF0000"/>
+                </a:solidFill>
+              </a:rPr>
+              <a:t>%</a:t>
+            </a:r>
+            <a:r>
+              <a:rPr lang="en-US" altLang="zh-TW" sz="1400" dirty="0" err="1">
+                <a:solidFill>
+                  <a:srgbClr val="FF0000"/>
+                </a:solidFill>
+              </a:rPr>
+              <a:t>eax</a:t>
+            </a:r>
+            <a:r>
+              <a:rPr lang="en-US" altLang="zh-TW" sz="1400" dirty="0">
+                <a:solidFill>
+                  <a:srgbClr val="FF0000"/>
+                </a:solidFill>
+              </a:rPr>
+              <a:t>=10</a:t>
+            </a:r>
+            <a:endParaRPr lang="zh-TW" altLang="en-US" sz="1400" dirty="0">
+              <a:solidFill>
+                <a:srgbClr val="FF0000"/>
+              </a:solidFill>
+            </a:endParaRPr>
+          </a:p>
+        </p:txBody>
+      </p:sp>
+      <p:sp>
+        <p:nvSpPr>
+          <p:cNvPr id="32" name="矩形 31"/>
+          <p:cNvSpPr/>
+          <p:nvPr/>
+        </p:nvSpPr>
+        <p:spPr>
+          <a:xfrm>
+            <a:off x="9127392" y="3985820"/>
+            <a:ext cx="1111138" cy="307777"/>
+          </a:xfrm>
+          <a:prstGeom prst="rect">
+            <a:avLst/>
+          </a:prstGeom>
+        </p:spPr>
+        <p:txBody>
+          <a:bodyPr wrap="none">
+            <a:spAutoFit/>
+          </a:bodyPr>
+          <a:lstStyle/>
+          <a:p>
+            <a:r>
+              <a:rPr lang="en-US" altLang="zh-TW" sz="1400" dirty="0">
+                <a:solidFill>
+                  <a:srgbClr val="FF0000"/>
+                </a:solidFill>
+              </a:rPr>
+              <a:t>%</a:t>
+            </a:r>
+            <a:r>
+              <a:rPr lang="en-US" altLang="zh-TW" sz="1400" dirty="0" err="1" smtClean="0">
+                <a:solidFill>
+                  <a:srgbClr val="FF0000"/>
+                </a:solidFill>
+              </a:rPr>
+              <a:t>eax</a:t>
+            </a:r>
+            <a:r>
+              <a:rPr lang="en-US" altLang="zh-TW" sz="1400" dirty="0" smtClean="0">
+                <a:solidFill>
+                  <a:srgbClr val="FF0000"/>
+                </a:solidFill>
+              </a:rPr>
+              <a:t>=10+20</a:t>
+            </a:r>
+            <a:endParaRPr lang="zh-TW" altLang="en-US" sz="1400" dirty="0">
+              <a:solidFill>
+                <a:srgbClr val="FF0000"/>
+              </a:solidFill>
+            </a:endParaRPr>
+          </a:p>
+        </p:txBody>
+      </p:sp>
+      <p:cxnSp>
+        <p:nvCxnSpPr>
+          <p:cNvPr id="35" name="直線單箭頭接點 34"/>
+          <p:cNvCxnSpPr/>
+          <p:nvPr/>
+        </p:nvCxnSpPr>
+        <p:spPr>
+          <a:xfrm flipV="1">
+            <a:off x="8267700" y="4165493"/>
+            <a:ext cx="859692" cy="62845"/>
+          </a:xfrm>
+          <a:prstGeom prst="straightConnector1">
+            <a:avLst/>
+          </a:prstGeom>
+          <a:ln>
+            <a:tailEnd type="triangle"/>
+          </a:ln>
+        </p:spPr>
+        <p:style>
+          <a:lnRef idx="1">
+            <a:schemeClr val="accent1"/>
+          </a:lnRef>
+          <a:fillRef idx="0">
+            <a:schemeClr val="accent1"/>
+          </a:fillRef>
+          <a:effectRef idx="0">
+            <a:schemeClr val="accent1"/>
+          </a:effectRef>
+          <a:fontRef idx="minor">
+            <a:schemeClr val="tx1"/>
+          </a:fontRef>
+        </p:style>
+      </p:cxnSp>
+      <p:cxnSp>
+        <p:nvCxnSpPr>
+          <p:cNvPr id="37" name="直線單箭頭接點 36"/>
+          <p:cNvCxnSpPr>
+            <a:endCxn id="23" idx="3"/>
+          </p:cNvCxnSpPr>
+          <p:nvPr/>
+        </p:nvCxnSpPr>
+        <p:spPr>
+          <a:xfrm flipH="1" flipV="1">
+            <a:off x="5674840" y="3551775"/>
+            <a:ext cx="1023140" cy="878838"/>
+          </a:xfrm>
+          <a:prstGeom prst="straightConnector1">
+            <a:avLst/>
+          </a:prstGeom>
+          <a:ln>
+            <a:tailEnd type="triangle"/>
+          </a:ln>
+        </p:spPr>
+        <p:style>
+          <a:lnRef idx="1">
+            <a:schemeClr val="accent1"/>
+          </a:lnRef>
+          <a:fillRef idx="0">
+            <a:schemeClr val="accent1"/>
+          </a:fillRef>
+          <a:effectRef idx="0">
+            <a:schemeClr val="accent1"/>
+          </a:effectRef>
+          <a:fontRef idx="minor">
+            <a:schemeClr val="tx1"/>
+          </a:fontRef>
+        </p:style>
+      </p:cxnSp>
+      <p:sp>
+        <p:nvSpPr>
+          <p:cNvPr id="39" name="文字方塊 38"/>
+          <p:cNvSpPr txBox="1"/>
+          <p:nvPr/>
+        </p:nvSpPr>
+        <p:spPr>
+          <a:xfrm>
+            <a:off x="9127392" y="4384108"/>
+            <a:ext cx="838628" cy="307777"/>
+          </a:xfrm>
+          <a:prstGeom prst="rect">
+            <a:avLst/>
+          </a:prstGeom>
+          <a:noFill/>
+        </p:spPr>
+        <p:txBody>
+          <a:bodyPr wrap="none" rtlCol="0">
+            <a:spAutoFit/>
+          </a:bodyPr>
+          <a:lstStyle/>
+          <a:p>
+            <a:r>
+              <a:rPr lang="en-US" altLang="zh-TW" sz="1400" dirty="0">
+                <a:solidFill>
+                  <a:srgbClr val="FF0000"/>
+                </a:solidFill>
+              </a:rPr>
+              <a:t>%</a:t>
+            </a:r>
+            <a:r>
+              <a:rPr lang="en-US" altLang="zh-TW" sz="1400" dirty="0" err="1" smtClean="0">
+                <a:solidFill>
+                  <a:srgbClr val="FF0000"/>
+                </a:solidFill>
+              </a:rPr>
+              <a:t>eax</a:t>
+            </a:r>
+            <a:r>
+              <a:rPr lang="en-US" altLang="zh-TW" sz="1400" dirty="0" smtClean="0">
+                <a:solidFill>
+                  <a:srgbClr val="FF0000"/>
+                </a:solidFill>
+              </a:rPr>
+              <a:t>=30</a:t>
+            </a:r>
+            <a:endParaRPr lang="zh-TW" altLang="en-US" sz="1400" dirty="0">
+              <a:solidFill>
+                <a:srgbClr val="FF0000"/>
+              </a:solidFill>
+            </a:endParaRPr>
+          </a:p>
+        </p:txBody>
+      </p:sp>
+      <p:cxnSp>
+        <p:nvCxnSpPr>
+          <p:cNvPr id="41" name="直線單箭頭接點 40"/>
+          <p:cNvCxnSpPr>
+            <a:endCxn id="39" idx="1"/>
+          </p:cNvCxnSpPr>
+          <p:nvPr/>
+        </p:nvCxnSpPr>
+        <p:spPr>
+          <a:xfrm>
+            <a:off x="8267700" y="4537996"/>
+            <a:ext cx="859692" cy="1"/>
+          </a:xfrm>
+          <a:prstGeom prst="straightConnector1">
+            <a:avLst/>
+          </a:prstGeom>
+          <a:ln>
+            <a:tailEnd type="triangle"/>
+          </a:ln>
+        </p:spPr>
+        <p:style>
+          <a:lnRef idx="1">
+            <a:schemeClr val="accent1"/>
+          </a:lnRef>
+          <a:fillRef idx="0">
+            <a:schemeClr val="accent1"/>
+          </a:fillRef>
+          <a:effectRef idx="0">
+            <a:schemeClr val="accent1"/>
+          </a:effectRef>
+          <a:fontRef idx="minor">
+            <a:schemeClr val="tx1"/>
+          </a:fontRef>
+        </p:style>
+      </p:cxnSp>
     </p:spTree>
     <p:extLst>
       <p:ext uri="{BB962C8B-B14F-4D97-AF65-F5344CB8AC3E}">
@@ -3708,7 +4535,6 @@
               <a:rPr lang="zh-TW" altLang="en-US" dirty="0"/>
               <a:t>內容一致</a:t>
             </a:r>
-            <a:endParaRPr lang="zh-TW" altLang="en-US" dirty="0"/>
           </a:p>
         </p:txBody>
       </p:sp>
@@ -4498,6 +5324,46 @@
               <a:t>-24(s0)</a:t>
             </a:r>
             <a:endParaRPr lang="zh-TW" altLang="en-US" dirty="0"/>
+          </a:p>
+        </p:txBody>
+      </p:sp>
+      <p:sp>
+        <p:nvSpPr>
+          <p:cNvPr id="2" name="向右箭號 1"/>
+          <p:cNvSpPr/>
+          <p:nvPr/>
+        </p:nvSpPr>
+        <p:spPr>
+          <a:xfrm>
+            <a:off x="3423057" y="3771969"/>
+            <a:ext cx="308547" cy="266792"/>
+          </a:xfrm>
+          <a:prstGeom prst="rightArrow">
+            <a:avLst/>
+          </a:prstGeom>
+        </p:spPr>
+        <p:style>
+          <a:lnRef idx="2">
+            <a:schemeClr val="accent1">
+              <a:shade val="50000"/>
+            </a:schemeClr>
+          </a:lnRef>
+          <a:fillRef idx="1">
+            <a:schemeClr val="accent1"/>
+          </a:fillRef>
+          <a:effectRef idx="0">
+            <a:schemeClr val="accent1"/>
+          </a:effectRef>
+          <a:fontRef idx="minor">
+            <a:schemeClr val="lt1"/>
+          </a:fontRef>
+        </p:style>
+        <p:txBody>
+          <a:bodyPr rtlCol="0" anchor="ctr"/>
+          <a:lstStyle/>
+          <a:p>
+            <a:pPr algn="ctr"/>
+            <a:endParaRPr lang="zh-TW" altLang="en-US"/>
           </a:p>
         </p:txBody>
       </p:sp>
@@ -4858,14 +5724,26 @@
           <a:lstStyle/>
           <a:p>
             <a:r>
-              <a:rPr lang="en-US" altLang="zh-TW" dirty="0"/>
+              <a:rPr lang="en-US" altLang="zh-TW" dirty="0">
+                <a:solidFill>
+                  <a:srgbClr val="FF0000"/>
+                </a:solidFill>
+              </a:rPr>
               <a:t>i</a:t>
             </a:r>
             <a:r>
-              <a:rPr lang="en-US" altLang="zh-TW" dirty="0" smtClean="0"/>
+              <a:rPr lang="en-US" altLang="zh-TW" dirty="0" smtClean="0">
+                <a:solidFill>
+                  <a:srgbClr val="FF0000"/>
+                </a:solidFill>
+              </a:rPr>
               <a:t>f (n&gt;0)</a:t>
             </a:r>
-            <a:endParaRPr lang="zh-TW" altLang="en-US" dirty="0"/>
+            <a:endParaRPr lang="zh-TW" altLang="en-US" dirty="0">
+              <a:solidFill>
+                <a:srgbClr val="FF0000"/>
+              </a:solidFill>
+            </a:endParaRPr>
           </a:p>
         </p:txBody>
       </p:sp>
@@ -4892,14 +5770,26 @@
           <a:lstStyle/>
           <a:p>
             <a:r>
-              <a:rPr lang="en-US" altLang="zh-TW" dirty="0" err="1" smtClean="0"/>
+              <a:rPr lang="en-US" altLang="zh-TW" dirty="0" err="1" smtClean="0">
+                <a:solidFill>
+                  <a:srgbClr val="FF0000"/>
+                </a:solidFill>
+              </a:rPr>
               <a:t>i</a:t>
             </a:r>
             <a:r>
-              <a:rPr lang="en-US" altLang="zh-TW" dirty="0" smtClean="0"/>
+              <a:rPr lang="en-US" altLang="zh-TW" dirty="0" smtClean="0">
+                <a:solidFill>
+                  <a:srgbClr val="FF0000"/>
+                </a:solidFill>
+              </a:rPr>
               <a:t>&lt;n</a:t>
             </a:r>
-            <a:endParaRPr lang="zh-TW" altLang="en-US" dirty="0"/>
+            <a:endParaRPr lang="zh-TW" altLang="en-US" dirty="0">
+              <a:solidFill>
+                <a:srgbClr val="FF0000"/>
+              </a:solidFill>
+            </a:endParaRPr>
           </a:p>
         </p:txBody>
       </p:sp>
@@ -4926,26 +5816,50 @@
           <a:lstStyle/>
           <a:p>
             <a:r>
-              <a:rPr lang="en-US" altLang="zh-TW" dirty="0" smtClean="0"/>
+              <a:rPr lang="en-US" altLang="zh-TW" dirty="0" smtClean="0">
+                <a:solidFill>
+                  <a:srgbClr val="FF0000"/>
+                </a:solidFill>
+              </a:rPr>
               <a:t>S += A[</a:t>
             </a:r>
             <a:r>
-              <a:rPr lang="en-US" altLang="zh-TW" dirty="0" err="1" smtClean="0"/>
+              <a:rPr lang="en-US" altLang="zh-TW" dirty="0" err="1" smtClean="0">
+                <a:solidFill>
+                  <a:srgbClr val="FF0000"/>
+                </a:solidFill>
+              </a:rPr>
               <a:t>i</a:t>
             </a:r>
             <a:r>
-              <a:rPr lang="en-US" altLang="zh-TW" dirty="0" smtClean="0"/>
+              <a:rPr lang="en-US" altLang="zh-TW" dirty="0" smtClean="0">
+                <a:solidFill>
+                  <a:srgbClr val="FF0000"/>
+                </a:solidFill>
+              </a:rPr>
               <a:t>]*B[</a:t>
             </a:r>
             <a:r>
-              <a:rPr lang="en-US" altLang="zh-TW" dirty="0" err="1" smtClean="0"/>
+              <a:rPr lang="en-US" altLang="zh-TW" dirty="0" err="1" smtClean="0">
+                <a:solidFill>
+                  <a:srgbClr val="FF0000"/>
+                </a:solidFill>
+              </a:rPr>
               <a:t>i</a:t>
             </a:r>
             <a:r>
-              <a:rPr lang="en-US" altLang="zh-TW" dirty="0" smtClean="0"/>
+              <a:rPr lang="en-US" altLang="zh-TW" dirty="0" smtClean="0">
+                <a:solidFill>
+                  <a:srgbClr val="FF0000"/>
+                </a:solidFill>
+              </a:rPr>
               <a:t>]</a:t>
             </a:r>
-            <a:endParaRPr lang="zh-TW" altLang="en-US" dirty="0"/>
+            <a:endParaRPr lang="zh-TW" altLang="en-US" dirty="0">
+              <a:solidFill>
+                <a:srgbClr val="FF0000"/>
+              </a:solidFill>
+            </a:endParaRPr>
           </a:p>
         </p:txBody>
       </p:sp>
@@ -4972,14 +5886,26 @@
           <a:lstStyle/>
           <a:p>
             <a:r>
-              <a:rPr lang="en-US" altLang="zh-TW" dirty="0" err="1" smtClean="0"/>
+              <a:rPr lang="en-US" altLang="zh-TW" dirty="0" err="1" smtClean="0">
+                <a:solidFill>
+                  <a:srgbClr val="FF0000"/>
+                </a:solidFill>
+              </a:rPr>
               <a:t>i</a:t>
             </a:r>
             <a:r>
-              <a:rPr lang="en-US" altLang="zh-TW" dirty="0" smtClean="0"/>
+              <a:rPr lang="en-US" altLang="zh-TW" dirty="0" smtClean="0">
+                <a:solidFill>
+                  <a:srgbClr val="FF0000"/>
+                </a:solidFill>
+              </a:rPr>
               <a:t>++</a:t>
             </a:r>
-            <a:endParaRPr lang="zh-TW" altLang="en-US" dirty="0"/>
+            <a:endParaRPr lang="zh-TW" altLang="en-US" dirty="0">
+              <a:solidFill>
+                <a:srgbClr val="FF0000"/>
+              </a:solidFill>
+            </a:endParaRPr>
           </a:p>
         </p:txBody>
       </p:sp>
@@ -5007,21 +5933,37 @@
           <a:p>
             <a:pPr algn="ctr"/>
             <a:r>
-              <a:rPr lang="en-US" altLang="zh-TW" dirty="0" smtClean="0"/>
+              <a:rPr lang="en-US" altLang="zh-TW" dirty="0" smtClean="0">
+                <a:solidFill>
+                  <a:srgbClr val="FF0000"/>
+                </a:solidFill>
+              </a:rPr>
               <a:t>S = 0</a:t>
             </a:r>
           </a:p>
           <a:p>
             <a:pPr algn="ctr"/>
             <a:r>
-              <a:rPr lang="en-US" altLang="zh-TW" dirty="0" err="1"/>
+              <a:rPr lang="en-US" altLang="zh-TW" dirty="0" err="1">
+                <a:solidFill>
+                  <a:srgbClr val="FF0000"/>
+                </a:solidFill>
+              </a:rPr>
               <a:t>i</a:t>
             </a:r>
             <a:r>
-              <a:rPr lang="en-US" altLang="zh-TW" dirty="0" smtClean="0"/>
+              <a:rPr lang="en-US" altLang="zh-TW" dirty="0" smtClean="0">
+                <a:solidFill>
+                  <a:srgbClr val="FF0000"/>
+                </a:solidFill>
+              </a:rPr>
               <a:t> = 0</a:t>
             </a:r>
-            <a:endParaRPr lang="zh-TW" altLang="en-US" dirty="0"/>
+            <a:endParaRPr lang="zh-TW" altLang="en-US" dirty="0">
+              <a:solidFill>
+                <a:srgbClr val="FF0000"/>
+              </a:solidFill>
+            </a:endParaRPr>
           </a:p>
         </p:txBody>
       </p:sp>
@@ -5048,33 +5990,65 @@
           <a:lstStyle/>
           <a:p>
             <a:r>
-              <a:rPr lang="en-US" altLang="zh-TW" dirty="0" err="1" smtClean="0"/>
+              <a:rPr lang="en-US" altLang="zh-TW" dirty="0" err="1" smtClean="0">
+                <a:solidFill>
+                  <a:srgbClr val="FF0000"/>
+                </a:solidFill>
+              </a:rPr>
               <a:t>int</a:t>
             </a:r>
             <a:r>
-              <a:rPr lang="en-US" altLang="zh-TW" dirty="0" smtClean="0"/>
+              <a:rPr lang="en-US" altLang="zh-TW" dirty="0" smtClean="0">
+                <a:solidFill>
+                  <a:srgbClr val="FF0000"/>
+                </a:solidFill>
+              </a:rPr>
               <a:t> </a:t>
             </a:r>
             <a:r>
-              <a:rPr lang="en-US" altLang="zh-TW" dirty="0" err="1" smtClean="0"/>
+              <a:rPr lang="en-US" altLang="zh-TW" dirty="0" err="1" smtClean="0">
+                <a:solidFill>
+                  <a:srgbClr val="FF0000"/>
+                </a:solidFill>
+              </a:rPr>
               <a:t>i</a:t>
             </a:r>
-            <a:endParaRPr lang="en-US" altLang="zh-TW" dirty="0" smtClean="0"/>
-          </a:p>
-          <a:p>
-            <a:r>
-              <a:rPr lang="en-US" altLang="zh-TW" dirty="0" err="1"/>
+            <a:endParaRPr lang="en-US" altLang="zh-TW" dirty="0" smtClean="0">
+              <a:solidFill>
+                <a:srgbClr val="FF0000"/>
+              </a:solidFill>
+            </a:endParaRPr>
+          </a:p>
+          <a:p>
+            <a:r>
+              <a:rPr lang="en-US" altLang="zh-TW" dirty="0" err="1">
+                <a:solidFill>
+                  <a:srgbClr val="FF0000"/>
+                </a:solidFill>
+              </a:rPr>
               <a:t>i</a:t>
             </a:r>
             <a:r>
-              <a:rPr lang="en-US" altLang="zh-TW" dirty="0" err="1" smtClean="0"/>
+              <a:rPr lang="en-US" altLang="zh-TW" dirty="0" err="1" smtClean="0">
+                <a:solidFill>
+                  <a:srgbClr val="FF0000"/>
+                </a:solidFill>
+              </a:rPr>
               <a:t>nt</a:t>
             </a:r>
             <a:r>
-              <a:rPr lang="en-US" altLang="zh-TW" dirty="0" smtClean="0"/>
+              <a:rPr lang="en-US" altLang="zh-TW" dirty="0" smtClean="0">
+                <a:solidFill>
+                  <a:srgbClr val="FF0000"/>
+                </a:solidFill>
+              </a:rPr>
               <a:t> S</a:t>
             </a:r>
-            <a:endParaRPr lang="zh-TW" altLang="en-US" dirty="0"/>
+            <a:endParaRPr lang="zh-TW" altLang="en-US" dirty="0">
+              <a:solidFill>
+                <a:srgbClr val="FF0000"/>
+              </a:solidFill>
+            </a:endParaRPr>
           </a:p>
         </p:txBody>
       </p:sp>
@@ -5101,14 +6075,26 @@
           <a:lstStyle/>
           <a:p>
             <a:r>
-              <a:rPr lang="en-US" altLang="zh-TW" dirty="0"/>
+              <a:rPr lang="en-US" altLang="zh-TW" dirty="0">
+                <a:solidFill>
+                  <a:srgbClr val="FF0000"/>
+                </a:solidFill>
+              </a:rPr>
               <a:t>r</a:t>
             </a:r>
             <a:r>
-              <a:rPr lang="en-US" altLang="zh-TW" dirty="0" smtClean="0"/>
+              <a:rPr lang="en-US" altLang="zh-TW" dirty="0" smtClean="0">
+                <a:solidFill>
+                  <a:srgbClr val="FF0000"/>
+                </a:solidFill>
+              </a:rPr>
               <a:t>eturn S</a:t>
             </a:r>
-            <a:endParaRPr lang="zh-TW" altLang="en-US" dirty="0"/>
+            <a:endParaRPr lang="zh-TW" altLang="en-US" dirty="0">
+              <a:solidFill>
+                <a:srgbClr val="FF0000"/>
+              </a:solidFill>
+            </a:endParaRPr>
           </a:p>
         </p:txBody>
       </p:sp>
@@ -5135,14 +6121,26 @@
           <a:lstStyle/>
           <a:p>
             <a:r>
-              <a:rPr lang="en-US" altLang="zh-TW" dirty="0"/>
+              <a:rPr lang="en-US" altLang="zh-TW" dirty="0">
+                <a:solidFill>
+                  <a:srgbClr val="FF0000"/>
+                </a:solidFill>
+              </a:rPr>
               <a:t>r</a:t>
             </a:r>
             <a:r>
-              <a:rPr lang="en-US" altLang="zh-TW" dirty="0" smtClean="0"/>
+              <a:rPr lang="en-US" altLang="zh-TW" dirty="0" smtClean="0">
+                <a:solidFill>
+                  <a:srgbClr val="FF0000"/>
+                </a:solidFill>
+              </a:rPr>
               <a:t>eturn 0</a:t>
             </a:r>
-            <a:endParaRPr lang="zh-TW" altLang="en-US" dirty="0"/>
+            <a:endParaRPr lang="zh-TW" altLang="en-US" dirty="0">
+              <a:solidFill>
+                <a:srgbClr val="FF0000"/>
+              </a:solidFill>
+            </a:endParaRPr>
           </a:p>
         </p:txBody>
       </p:sp>

--- a/ex01/ex01_ans.pptx
+++ b/ex01/ex01_ans.pptx
@@ -3461,11 +3461,7 @@
             <a:p>
               <a:r>
                 <a:rPr lang="en-US" altLang="zh-TW" sz="1100" dirty="0" smtClean="0"/>
-                <a:t>-4</a:t>
-              </a:r>
-              <a:r>
-                <a:rPr lang="en-US" altLang="zh-TW" sz="1100" dirty="0" smtClean="0"/>
-                <a:t>(%</a:t>
+                <a:t>-4(%</a:t>
               </a:r>
               <a:r>
                 <a:rPr lang="en-US" altLang="zh-TW" sz="1100" dirty="0" err="1" smtClean="0"/>
@@ -5595,6 +5591,402 @@
           </a:xfrm>
         </p:spPr>
       </p:pic>
+      <p:sp>
+        <p:nvSpPr>
+          <p:cNvPr id="3" name="文字方塊 2"/>
+          <p:cNvSpPr txBox="1"/>
+          <p:nvPr/>
+        </p:nvSpPr>
+        <p:spPr>
+          <a:xfrm>
+            <a:off x="4710545" y="4377615"/>
+            <a:ext cx="2182585" cy="369332"/>
+          </a:xfrm>
+          <a:prstGeom prst="rect">
+            <a:avLst/>
+          </a:prstGeom>
+          <a:noFill/>
+        </p:spPr>
+        <p:txBody>
+          <a:bodyPr wrap="none" rtlCol="0">
+            <a:spAutoFit/>
+          </a:bodyPr>
+          <a:lstStyle/>
+          <a:p>
+            <a:r>
+              <a:rPr lang="zh-TW" altLang="en-US" dirty="0" smtClean="0"/>
+              <a:t>透過 </a:t>
+            </a:r>
+            <a:r>
+              <a:rPr lang="en-US" altLang="zh-TW" dirty="0" smtClean="0"/>
+              <a:t>load/store</a:t>
+            </a:r>
+            <a:r>
+              <a:rPr lang="zh-TW" altLang="en-US" dirty="0" smtClean="0"/>
+              <a:t> 存取</a:t>
+            </a:r>
+            <a:endParaRPr lang="zh-TW" altLang="en-US" dirty="0"/>
+          </a:p>
+        </p:txBody>
+      </p:sp>
+      <p:sp>
+        <p:nvSpPr>
+          <p:cNvPr id="4" name="矩形 3"/>
+          <p:cNvSpPr/>
+          <p:nvPr/>
+        </p:nvSpPr>
+        <p:spPr>
+          <a:xfrm>
+            <a:off x="1787418" y="3848821"/>
+            <a:ext cx="2858473" cy="760123"/>
+          </a:xfrm>
+          <a:prstGeom prst="rect">
+            <a:avLst/>
+          </a:prstGeom>
+          <a:noFill/>
+          <a:ln>
+            <a:solidFill>
+              <a:srgbClr val="FF0000"/>
+            </a:solidFill>
+          </a:ln>
+        </p:spPr>
+        <p:style>
+          <a:lnRef idx="2">
+            <a:schemeClr val="accent1">
+              <a:shade val="50000"/>
+            </a:schemeClr>
+          </a:lnRef>
+          <a:fillRef idx="1">
+            <a:schemeClr val="accent1"/>
+          </a:fillRef>
+          <a:effectRef idx="0">
+            <a:schemeClr val="accent1"/>
+          </a:effectRef>
+          <a:fontRef idx="minor">
+            <a:schemeClr val="lt1"/>
+          </a:fontRef>
+        </p:style>
+        <p:txBody>
+          <a:bodyPr rtlCol="0" anchor="ctr"/>
+          <a:lstStyle/>
+          <a:p>
+            <a:pPr algn="ctr"/>
+            <a:endParaRPr lang="zh-TW" altLang="en-US"/>
+          </a:p>
+        </p:txBody>
+      </p:sp>
+      <p:cxnSp>
+        <p:nvCxnSpPr>
+          <p:cNvPr id="8" name="肘形接點 7"/>
+          <p:cNvCxnSpPr>
+            <a:endCxn id="3" idx="0"/>
+          </p:cNvCxnSpPr>
+          <p:nvPr/>
+        </p:nvCxnSpPr>
+        <p:spPr>
+          <a:xfrm>
+            <a:off x="4645891" y="4221018"/>
+            <a:ext cx="1155947" cy="156597"/>
+          </a:xfrm>
+          <a:prstGeom prst="bentConnector2">
+            <a:avLst/>
+          </a:prstGeom>
+          <a:ln>
+            <a:solidFill>
+              <a:srgbClr val="FF0000"/>
+            </a:solidFill>
+            <a:tailEnd type="triangle"/>
+          </a:ln>
+        </p:spPr>
+        <p:style>
+          <a:lnRef idx="1">
+            <a:schemeClr val="accent1"/>
+          </a:lnRef>
+          <a:fillRef idx="0">
+            <a:schemeClr val="accent1"/>
+          </a:fillRef>
+          <a:effectRef idx="0">
+            <a:schemeClr val="accent1"/>
+          </a:effectRef>
+          <a:fontRef idx="minor">
+            <a:schemeClr val="tx1"/>
+          </a:fontRef>
+        </p:style>
+      </p:cxnSp>
+      <p:sp>
+        <p:nvSpPr>
+          <p:cNvPr id="9" name="文字方塊 8"/>
+          <p:cNvSpPr txBox="1"/>
+          <p:nvPr/>
+        </p:nvSpPr>
+        <p:spPr>
+          <a:xfrm>
+            <a:off x="9394753" y="4608944"/>
+            <a:ext cx="2379690" cy="369332"/>
+          </a:xfrm>
+          <a:prstGeom prst="rect">
+            <a:avLst/>
+          </a:prstGeom>
+          <a:noFill/>
+        </p:spPr>
+        <p:txBody>
+          <a:bodyPr wrap="none" rtlCol="0">
+            <a:spAutoFit/>
+          </a:bodyPr>
+          <a:lstStyle/>
+          <a:p>
+            <a:r>
+              <a:rPr lang="en-US" altLang="zh-TW" dirty="0" smtClean="0">
+                <a:solidFill>
+                  <a:srgbClr val="FF0000"/>
+                </a:solidFill>
+              </a:rPr>
+              <a:t>2.Constant Propagation</a:t>
+            </a:r>
+            <a:endParaRPr lang="zh-TW" altLang="en-US" dirty="0">
+              <a:solidFill>
+                <a:srgbClr val="FF0000"/>
+              </a:solidFill>
+            </a:endParaRPr>
+          </a:p>
+        </p:txBody>
+      </p:sp>
+      <p:sp>
+        <p:nvSpPr>
+          <p:cNvPr id="10" name="矩形 9"/>
+          <p:cNvSpPr/>
+          <p:nvPr/>
+        </p:nvSpPr>
+        <p:spPr>
+          <a:xfrm>
+            <a:off x="9105900" y="4140200"/>
+            <a:ext cx="654050" cy="159116"/>
+          </a:xfrm>
+          <a:prstGeom prst="rect">
+            <a:avLst/>
+          </a:prstGeom>
+          <a:noFill/>
+          <a:ln>
+            <a:solidFill>
+              <a:srgbClr val="FF0000"/>
+            </a:solidFill>
+          </a:ln>
+        </p:spPr>
+        <p:style>
+          <a:lnRef idx="2">
+            <a:schemeClr val="accent1">
+              <a:shade val="50000"/>
+            </a:schemeClr>
+          </a:lnRef>
+          <a:fillRef idx="1">
+            <a:schemeClr val="accent1"/>
+          </a:fillRef>
+          <a:effectRef idx="0">
+            <a:schemeClr val="accent1"/>
+          </a:effectRef>
+          <a:fontRef idx="minor">
+            <a:schemeClr val="lt1"/>
+          </a:fontRef>
+        </p:style>
+        <p:txBody>
+          <a:bodyPr rtlCol="0" anchor="ctr"/>
+          <a:lstStyle/>
+          <a:p>
+            <a:pPr algn="ctr"/>
+            <a:endParaRPr lang="zh-TW" altLang="en-US"/>
+          </a:p>
+        </p:txBody>
+      </p:sp>
+      <p:cxnSp>
+        <p:nvCxnSpPr>
+          <p:cNvPr id="15" name="肘形接點 14"/>
+          <p:cNvCxnSpPr>
+            <a:endCxn id="9" idx="0"/>
+          </p:cNvCxnSpPr>
+          <p:nvPr/>
+        </p:nvCxnSpPr>
+        <p:spPr>
+          <a:xfrm>
+            <a:off x="9734550" y="4221018"/>
+            <a:ext cx="850048" cy="387926"/>
+          </a:xfrm>
+          <a:prstGeom prst="bentConnector2">
+            <a:avLst/>
+          </a:prstGeom>
+          <a:ln>
+            <a:solidFill>
+              <a:srgbClr val="FF0000"/>
+            </a:solidFill>
+            <a:tailEnd type="triangle"/>
+          </a:ln>
+        </p:spPr>
+        <p:style>
+          <a:lnRef idx="1">
+            <a:schemeClr val="accent1"/>
+          </a:lnRef>
+          <a:fillRef idx="0">
+            <a:schemeClr val="accent1"/>
+          </a:fillRef>
+          <a:effectRef idx="0">
+            <a:schemeClr val="accent1"/>
+          </a:effectRef>
+          <a:fontRef idx="minor">
+            <a:schemeClr val="tx1"/>
+          </a:fontRef>
+        </p:style>
+      </p:cxnSp>
+      <p:sp>
+        <p:nvSpPr>
+          <p:cNvPr id="17" name="矩形 16"/>
+          <p:cNvSpPr/>
+          <p:nvPr/>
+        </p:nvSpPr>
+        <p:spPr>
+          <a:xfrm>
+            <a:off x="7429500" y="1803400"/>
+            <a:ext cx="1334294" cy="355600"/>
+          </a:xfrm>
+          <a:prstGeom prst="rect">
+            <a:avLst/>
+          </a:prstGeom>
+          <a:noFill/>
+          <a:ln>
+            <a:solidFill>
+              <a:srgbClr val="FF0000"/>
+            </a:solidFill>
+          </a:ln>
+        </p:spPr>
+        <p:style>
+          <a:lnRef idx="2">
+            <a:schemeClr val="accent1">
+              <a:shade val="50000"/>
+            </a:schemeClr>
+          </a:lnRef>
+          <a:fillRef idx="1">
+            <a:schemeClr val="accent1"/>
+          </a:fillRef>
+          <a:effectRef idx="0">
+            <a:schemeClr val="accent1"/>
+          </a:effectRef>
+          <a:fontRef idx="minor">
+            <a:schemeClr val="lt1"/>
+          </a:fontRef>
+        </p:style>
+        <p:txBody>
+          <a:bodyPr rtlCol="0" anchor="ctr"/>
+          <a:lstStyle/>
+          <a:p>
+            <a:pPr algn="ctr"/>
+            <a:endParaRPr lang="zh-TW" altLang="en-US"/>
+          </a:p>
+        </p:txBody>
+      </p:sp>
+      <p:sp>
+        <p:nvSpPr>
+          <p:cNvPr id="19" name="文字方塊 18"/>
+          <p:cNvSpPr txBox="1"/>
+          <p:nvPr/>
+        </p:nvSpPr>
+        <p:spPr>
+          <a:xfrm>
+            <a:off x="8331733" y="3297587"/>
+            <a:ext cx="3655681" cy="369332"/>
+          </a:xfrm>
+          <a:prstGeom prst="rect">
+            <a:avLst/>
+          </a:prstGeom>
+          <a:noFill/>
+        </p:spPr>
+        <p:txBody>
+          <a:bodyPr wrap="none" rtlCol="0">
+            <a:spAutoFit/>
+          </a:bodyPr>
+          <a:lstStyle/>
+          <a:p>
+            <a:r>
+              <a:rPr lang="en-US" altLang="zh-TW" dirty="0" smtClean="0">
+                <a:solidFill>
+                  <a:srgbClr val="FF0000"/>
+                </a:solidFill>
+              </a:rPr>
+              <a:t>1.</a:t>
+            </a:r>
+            <a:r>
+              <a:rPr lang="zh-TW" altLang="en-US" dirty="0" smtClean="0">
+                <a:solidFill>
+                  <a:srgbClr val="FF0000"/>
+                </a:solidFill>
+              </a:rPr>
+              <a:t>不從</a:t>
+            </a:r>
+            <a:r>
+              <a:rPr lang="en-US" altLang="zh-TW" dirty="0" smtClean="0">
+                <a:solidFill>
+                  <a:srgbClr val="FF0000"/>
+                </a:solidFill>
+              </a:rPr>
+              <a:t>load/store</a:t>
+            </a:r>
+            <a:r>
+              <a:rPr lang="zh-TW" altLang="en-US" dirty="0" smtClean="0">
+                <a:solidFill>
+                  <a:srgbClr val="FF0000"/>
+                </a:solidFill>
+              </a:rPr>
+              <a:t>存取，改用</a:t>
+            </a:r>
+            <a:r>
+              <a:rPr lang="en-US" altLang="zh-TW" dirty="0" smtClean="0">
+                <a:solidFill>
+                  <a:srgbClr val="FF0000"/>
+                </a:solidFill>
+              </a:rPr>
+              <a:t>register</a:t>
+            </a:r>
+            <a:endParaRPr lang="zh-TW" altLang="en-US" dirty="0">
+              <a:solidFill>
+                <a:srgbClr val="FF0000"/>
+              </a:solidFill>
+            </a:endParaRPr>
+          </a:p>
+        </p:txBody>
+      </p:sp>
+      <p:cxnSp>
+        <p:nvCxnSpPr>
+          <p:cNvPr id="21" name="肘形接點 20"/>
+          <p:cNvCxnSpPr>
+            <a:stCxn id="17" idx="2"/>
+            <a:endCxn id="19" idx="1"/>
+          </p:cNvCxnSpPr>
+          <p:nvPr/>
+        </p:nvCxnSpPr>
+        <p:spPr>
+          <a:xfrm rot="16200000" flipH="1">
+            <a:off x="7552564" y="2703083"/>
+            <a:ext cx="1323253" cy="235086"/>
+          </a:xfrm>
+          <a:prstGeom prst="bentConnector2">
+            <a:avLst/>
+          </a:prstGeom>
+          <a:ln>
+            <a:tailEnd type="triangle"/>
+          </a:ln>
+        </p:spPr>
+        <p:style>
+          <a:lnRef idx="1">
+            <a:schemeClr val="accent1"/>
+          </a:lnRef>
+          <a:fillRef idx="0">
+            <a:schemeClr val="accent1"/>
+          </a:fillRef>
+          <a:effectRef idx="0">
+            <a:schemeClr val="accent1"/>
+          </a:effectRef>
+          <a:fontRef idx="minor">
+            <a:schemeClr val="tx1"/>
+          </a:fontRef>
+        </p:style>
+      </p:cxnSp>
     </p:spTree>
     <p:extLst>
       <p:ext uri="{BB962C8B-B14F-4D97-AF65-F5344CB8AC3E}">
